--- a/pictures/HEM_expand/DynamicGroupOptimization.pptx
+++ b/pictures/HEM_expand/DynamicGroupOptimization.pptx
@@ -197,7 +197,7 @@
           <a:p>
             <a:fld id="{1310C905-E274-F147-B7E3-15734FF4993D}" type="datetimeFigureOut">
               <a:rPr kumimoji="1" lang="zh-CN" altLang="en-US" smtClean="0"/>
-              <a:t>2022/4/18</a:t>
+              <a:t>2022/5/28</a:t>
             </a:fld>
             <a:endParaRPr kumimoji="1" lang="zh-CN" altLang="en-US"/>
           </a:p>
@@ -684,7 +684,7 @@
           <a:p>
             <a:fld id="{05C8E58B-D684-9F4E-935E-D311B71F30B1}" type="datetimeFigureOut">
               <a:rPr kumimoji="1" lang="zh-CN" altLang="en-US" smtClean="0"/>
-              <a:t>2022/4/18</a:t>
+              <a:t>2022/5/28</a:t>
             </a:fld>
             <a:endParaRPr kumimoji="1" lang="zh-CN" altLang="en-US"/>
           </a:p>
@@ -854,7 +854,7 @@
           <a:p>
             <a:fld id="{05C8E58B-D684-9F4E-935E-D311B71F30B1}" type="datetimeFigureOut">
               <a:rPr kumimoji="1" lang="zh-CN" altLang="en-US" smtClean="0"/>
-              <a:t>2022/4/18</a:t>
+              <a:t>2022/5/28</a:t>
             </a:fld>
             <a:endParaRPr kumimoji="1" lang="zh-CN" altLang="en-US"/>
           </a:p>
@@ -1034,7 +1034,7 @@
           <a:p>
             <a:fld id="{05C8E58B-D684-9F4E-935E-D311B71F30B1}" type="datetimeFigureOut">
               <a:rPr kumimoji="1" lang="zh-CN" altLang="en-US" smtClean="0"/>
-              <a:t>2022/4/18</a:t>
+              <a:t>2022/5/28</a:t>
             </a:fld>
             <a:endParaRPr kumimoji="1" lang="zh-CN" altLang="en-US"/>
           </a:p>
@@ -1204,7 +1204,7 @@
           <a:p>
             <a:fld id="{05C8E58B-D684-9F4E-935E-D311B71F30B1}" type="datetimeFigureOut">
               <a:rPr kumimoji="1" lang="zh-CN" altLang="en-US" smtClean="0"/>
-              <a:t>2022/4/18</a:t>
+              <a:t>2022/5/28</a:t>
             </a:fld>
             <a:endParaRPr kumimoji="1" lang="zh-CN" altLang="en-US"/>
           </a:p>
@@ -1448,7 +1448,7 @@
           <a:p>
             <a:fld id="{05C8E58B-D684-9F4E-935E-D311B71F30B1}" type="datetimeFigureOut">
               <a:rPr kumimoji="1" lang="zh-CN" altLang="en-US" smtClean="0"/>
-              <a:t>2022/4/18</a:t>
+              <a:t>2022/5/28</a:t>
             </a:fld>
             <a:endParaRPr kumimoji="1" lang="zh-CN" altLang="en-US"/>
           </a:p>
@@ -1680,7 +1680,7 @@
           <a:p>
             <a:fld id="{05C8E58B-D684-9F4E-935E-D311B71F30B1}" type="datetimeFigureOut">
               <a:rPr kumimoji="1" lang="zh-CN" altLang="en-US" smtClean="0"/>
-              <a:t>2022/4/18</a:t>
+              <a:t>2022/5/28</a:t>
             </a:fld>
             <a:endParaRPr kumimoji="1" lang="zh-CN" altLang="en-US"/>
           </a:p>
@@ -2047,7 +2047,7 @@
           <a:p>
             <a:fld id="{05C8E58B-D684-9F4E-935E-D311B71F30B1}" type="datetimeFigureOut">
               <a:rPr kumimoji="1" lang="zh-CN" altLang="en-US" smtClean="0"/>
-              <a:t>2022/4/18</a:t>
+              <a:t>2022/5/28</a:t>
             </a:fld>
             <a:endParaRPr kumimoji="1" lang="zh-CN" altLang="en-US"/>
           </a:p>
@@ -2165,7 +2165,7 @@
           <a:p>
             <a:fld id="{05C8E58B-D684-9F4E-935E-D311B71F30B1}" type="datetimeFigureOut">
               <a:rPr kumimoji="1" lang="zh-CN" altLang="en-US" smtClean="0"/>
-              <a:t>2022/4/18</a:t>
+              <a:t>2022/5/28</a:t>
             </a:fld>
             <a:endParaRPr kumimoji="1" lang="zh-CN" altLang="en-US"/>
           </a:p>
@@ -2260,7 +2260,7 @@
           <a:p>
             <a:fld id="{05C8E58B-D684-9F4E-935E-D311B71F30B1}" type="datetimeFigureOut">
               <a:rPr kumimoji="1" lang="zh-CN" altLang="en-US" smtClean="0"/>
-              <a:t>2022/4/18</a:t>
+              <a:t>2022/5/28</a:t>
             </a:fld>
             <a:endParaRPr kumimoji="1" lang="zh-CN" altLang="en-US"/>
           </a:p>
@@ -2537,7 +2537,7 @@
           <a:p>
             <a:fld id="{05C8E58B-D684-9F4E-935E-D311B71F30B1}" type="datetimeFigureOut">
               <a:rPr kumimoji="1" lang="zh-CN" altLang="en-US" smtClean="0"/>
-              <a:t>2022/4/18</a:t>
+              <a:t>2022/5/28</a:t>
             </a:fld>
             <a:endParaRPr kumimoji="1" lang="zh-CN" altLang="en-US"/>
           </a:p>
@@ -2794,7 +2794,7 @@
           <a:p>
             <a:fld id="{05C8E58B-D684-9F4E-935E-D311B71F30B1}" type="datetimeFigureOut">
               <a:rPr kumimoji="1" lang="zh-CN" altLang="en-US" smtClean="0"/>
-              <a:t>2022/4/18</a:t>
+              <a:t>2022/5/28</a:t>
             </a:fld>
             <a:endParaRPr kumimoji="1" lang="zh-CN" altLang="en-US"/>
           </a:p>
@@ -3007,7 +3007,7 @@
           <a:p>
             <a:fld id="{05C8E58B-D684-9F4E-935E-D311B71F30B1}" type="datetimeFigureOut">
               <a:rPr kumimoji="1" lang="zh-CN" altLang="en-US" smtClean="0"/>
-              <a:t>2022/4/18</a:t>
+              <a:t>2022/5/28</a:t>
             </a:fld>
             <a:endParaRPr kumimoji="1" lang="zh-CN" altLang="en-US"/>
           </a:p>
@@ -3414,6 +3414,63 @@
       </p:grpSpPr>
       <p:cxnSp>
         <p:nvCxnSpPr>
+          <p:cNvPr id="2" name="直接连接符 1">
+            <a:extLst>
+              <a:ext uri="{FF2B5EF4-FFF2-40B4-BE49-F238E27FC236}">
+                <a16:creationId xmlns:a16="http://schemas.microsoft.com/office/drawing/2014/main" id="{A97951FE-0A4A-FD7C-E3C5-DAED1F684DC7}"/>
+              </a:ext>
+            </a:extLst>
+          </p:cNvPr>
+          <p:cNvCxnSpPr/>
+          <p:nvPr/>
+        </p:nvCxnSpPr>
+        <p:spPr>
+          <a:xfrm>
+            <a:off x="0" y="0"/>
+            <a:ext cx="914400" cy="0"/>
+          </a:xfrm>
+          <a:prstGeom prst="line">
+            <a:avLst/>
+          </a:prstGeom>
+          <a:ln w="0" cap="flat" cmpd="sng" algn="ctr">
+            <a:solidFill>
+              <a:srgbClr val="FBFFFF"/>
+            </a:solidFill>
+            <a:prstDash val="solid"/>
+            <a:miter lim="800000"/>
+            <a:headEnd type="none" w="med" len="med"/>
+            <a:tailEnd type="none" w="med" len="med"/>
+          </a:ln>
+          <a:effectLst/>
+          <a:extLst>
+            <a:ext uri="{AF507438-7753-43E0-B8FC-AC1667EBCBE1}">
+              <a14:hiddenEffects xmlns:a14="http://schemas.microsoft.com/office/drawing/2010/main">
+                <a:effectLst>
+                  <a:outerShdw blurRad="63500" rotWithShape="0">
+                    <a:scrgbClr r="0" g="0" b="0"/>
+                  </a:outerShdw>
+                </a:effectLst>
+              </a14:hiddenEffects>
+            </a:ext>
+          </a:extLst>
+        </p:spPr>
+        <p:style>
+          <a:lnRef idx="1">
+            <a:schemeClr val="accent1"/>
+          </a:lnRef>
+          <a:fillRef idx="0">
+            <a:schemeClr val="accent1"/>
+          </a:fillRef>
+          <a:effectRef idx="0">
+            <a:schemeClr val="accent1"/>
+          </a:effectRef>
+          <a:fontRef idx="minor">
+            <a:schemeClr val="tx1"/>
+          </a:fontRef>
+        </p:style>
+      </p:cxnSp>
+      <p:cxnSp>
+        <p:nvCxnSpPr>
           <p:cNvPr id="91" name="直线连接符 90">
             <a:extLst>
               <a:ext uri="{FF2B5EF4-FFF2-40B4-BE49-F238E27FC236}">
@@ -3506,7 +3563,7 @@
         </p:nvCxnSpPr>
         <p:spPr>
           <a:xfrm>
-            <a:off x="4745992" y="3305491"/>
+            <a:off x="4863600" y="3305491"/>
             <a:ext cx="0" cy="76733"/>
           </a:xfrm>
           <a:prstGeom prst="line">
@@ -3545,7 +3602,7 @@
         </p:nvCxnSpPr>
         <p:spPr>
           <a:xfrm>
-            <a:off x="4025267" y="3305491"/>
+            <a:off x="4104000" y="3305491"/>
             <a:ext cx="0" cy="76733"/>
           </a:xfrm>
           <a:prstGeom prst="line">
@@ -3584,7 +3641,7 @@
         </p:nvCxnSpPr>
         <p:spPr>
           <a:xfrm>
-            <a:off x="3279142" y="3305491"/>
+            <a:off x="3348000" y="3305491"/>
             <a:ext cx="0" cy="76733"/>
           </a:xfrm>
           <a:prstGeom prst="line">
@@ -3623,7 +3680,7 @@
         </p:nvCxnSpPr>
         <p:spPr>
           <a:xfrm>
-            <a:off x="2926717" y="3305491"/>
+            <a:off x="2966400" y="3305491"/>
             <a:ext cx="0" cy="76733"/>
           </a:xfrm>
           <a:prstGeom prst="line">
@@ -3662,7 +3719,7 @@
         </p:nvCxnSpPr>
         <p:spPr>
           <a:xfrm>
-            <a:off x="3634742" y="3305491"/>
+            <a:off x="3726000" y="3305491"/>
             <a:ext cx="0" cy="76733"/>
           </a:xfrm>
           <a:prstGeom prst="line">
@@ -3701,7 +3758,7 @@
         </p:nvCxnSpPr>
         <p:spPr>
           <a:xfrm>
-            <a:off x="4390392" y="3305491"/>
+            <a:off x="4485600" y="3305491"/>
             <a:ext cx="0" cy="76733"/>
           </a:xfrm>
           <a:prstGeom prst="line">
@@ -3740,7 +3797,7 @@
         </p:nvCxnSpPr>
         <p:spPr>
           <a:xfrm>
-            <a:off x="5165092" y="3305491"/>
+            <a:off x="5241600" y="3305491"/>
             <a:ext cx="0" cy="76733"/>
           </a:xfrm>
           <a:prstGeom prst="line">
@@ -3779,7 +3836,7 @@
         </p:nvCxnSpPr>
         <p:spPr>
           <a:xfrm>
-            <a:off x="5599848" y="3305491"/>
+            <a:off x="5623200" y="3305491"/>
             <a:ext cx="0" cy="76733"/>
           </a:xfrm>
           <a:prstGeom prst="line">
@@ -3818,7 +3875,7 @@
         </p:nvCxnSpPr>
         <p:spPr>
           <a:xfrm>
-            <a:off x="5949536" y="3305491"/>
+            <a:off x="6001200" y="3305491"/>
             <a:ext cx="0" cy="76733"/>
           </a:xfrm>
           <a:prstGeom prst="line">
@@ -3907,7 +3964,7 @@
         </p:nvCxnSpPr>
         <p:spPr>
           <a:xfrm>
-            <a:off x="6327909" y="3305491"/>
+            <a:off x="6379200" y="3305491"/>
             <a:ext cx="0" cy="76733"/>
           </a:xfrm>
           <a:prstGeom prst="line">
@@ -3946,7 +4003,7 @@
         </p:nvCxnSpPr>
         <p:spPr>
           <a:xfrm>
-            <a:off x="6674750" y="3305491"/>
+            <a:off x="6757200" y="3305491"/>
             <a:ext cx="0" cy="76733"/>
           </a:xfrm>
           <a:prstGeom prst="line">
@@ -3985,7 +4042,7 @@
         </p:nvCxnSpPr>
         <p:spPr>
           <a:xfrm>
-            <a:off x="7089909" y="3305491"/>
+            <a:off x="7138800" y="3305491"/>
             <a:ext cx="0" cy="76733"/>
           </a:xfrm>
           <a:prstGeom prst="line">
@@ -4024,7 +4081,7 @@
         </p:nvCxnSpPr>
         <p:spPr>
           <a:xfrm>
-            <a:off x="7494555" y="3305491"/>
+            <a:off x="7516800" y="3305491"/>
             <a:ext cx="0" cy="76733"/>
           </a:xfrm>
           <a:prstGeom prst="line">
@@ -4063,7 +4120,7 @@
         </p:nvCxnSpPr>
         <p:spPr>
           <a:xfrm>
-            <a:off x="7867673" y="3305491"/>
+            <a:off x="7894800" y="3305491"/>
             <a:ext cx="0" cy="76733"/>
           </a:xfrm>
           <a:prstGeom prst="line">
@@ -4100,7 +4157,7 @@
         </p:nvSpPr>
         <p:spPr>
           <a:xfrm>
-            <a:off x="3029118" y="3086169"/>
+            <a:off x="3070800" y="3086169"/>
             <a:ext cx="168316" cy="258853"/>
           </a:xfrm>
           <a:prstGeom prst="rect">
@@ -4150,7 +4207,7 @@
         </p:nvSpPr>
         <p:spPr>
           <a:xfrm>
-            <a:off x="3365954" y="3086169"/>
+            <a:off x="3452400" y="3086169"/>
             <a:ext cx="168316" cy="258853"/>
           </a:xfrm>
           <a:prstGeom prst="rect">
@@ -4200,7 +4257,7 @@
         </p:nvSpPr>
         <p:spPr>
           <a:xfrm>
-            <a:off x="3747470" y="3086169"/>
+            <a:off x="3830400" y="3086169"/>
             <a:ext cx="168316" cy="258853"/>
           </a:xfrm>
           <a:prstGeom prst="rect">
@@ -4250,7 +4307,7 @@
         </p:nvSpPr>
         <p:spPr>
           <a:xfrm>
-            <a:off x="4141287" y="3086169"/>
+            <a:off x="4208400" y="3086169"/>
             <a:ext cx="168316" cy="258853"/>
           </a:xfrm>
           <a:prstGeom prst="rect">
@@ -4300,7 +4357,7 @@
         </p:nvSpPr>
         <p:spPr>
           <a:xfrm>
-            <a:off x="4501952" y="3086169"/>
+            <a:off x="4590000" y="3086169"/>
             <a:ext cx="168316" cy="258853"/>
           </a:xfrm>
           <a:prstGeom prst="rect">
@@ -4350,7 +4407,7 @@
         </p:nvSpPr>
         <p:spPr>
           <a:xfrm>
-            <a:off x="4883676" y="3086169"/>
+            <a:off x="4968000" y="3086169"/>
             <a:ext cx="168316" cy="258853"/>
           </a:xfrm>
           <a:prstGeom prst="rect">
@@ -4400,7 +4457,7 @@
         </p:nvSpPr>
         <p:spPr>
           <a:xfrm>
-            <a:off x="5333118" y="3086169"/>
+            <a:off x="5346000" y="3086169"/>
             <a:ext cx="168316" cy="258853"/>
           </a:xfrm>
           <a:prstGeom prst="rect">
@@ -4450,7 +4507,7 @@
         </p:nvSpPr>
         <p:spPr>
           <a:xfrm>
-            <a:off x="5689111" y="3086169"/>
+            <a:off x="5727600" y="3086169"/>
             <a:ext cx="168316" cy="258853"/>
           </a:xfrm>
           <a:prstGeom prst="rect">
@@ -4500,7 +4557,7 @@
         </p:nvSpPr>
         <p:spPr>
           <a:xfrm>
-            <a:off x="6041958" y="3086169"/>
+            <a:off x="6105600" y="3086169"/>
             <a:ext cx="240450" cy="258853"/>
           </a:xfrm>
           <a:prstGeom prst="rect">
@@ -4550,7 +4607,7 @@
         </p:nvSpPr>
         <p:spPr>
           <a:xfrm>
-            <a:off x="6402159" y="3086169"/>
+            <a:off x="6483600" y="3086169"/>
             <a:ext cx="235128" cy="258853"/>
           </a:xfrm>
           <a:prstGeom prst="rect">
@@ -4600,7 +4657,7 @@
         </p:nvSpPr>
         <p:spPr>
           <a:xfrm>
-            <a:off x="6786393" y="3086169"/>
+            <a:off x="6861600" y="3086169"/>
             <a:ext cx="240450" cy="258853"/>
           </a:xfrm>
           <a:prstGeom prst="rect">
@@ -4650,7 +4707,7 @@
         </p:nvSpPr>
         <p:spPr>
           <a:xfrm>
-            <a:off x="7190983" y="3086169"/>
+            <a:off x="7239600" y="3086169"/>
             <a:ext cx="240450" cy="258853"/>
           </a:xfrm>
           <a:prstGeom prst="rect">
@@ -4700,7 +4757,7 @@
         </p:nvSpPr>
         <p:spPr>
           <a:xfrm>
-            <a:off x="7565913" y="3086169"/>
+            <a:off x="7621200" y="3086169"/>
             <a:ext cx="240450" cy="258853"/>
           </a:xfrm>
           <a:prstGeom prst="rect">
@@ -4750,7 +4807,7 @@
         </p:nvSpPr>
         <p:spPr>
           <a:xfrm>
-            <a:off x="7944511" y="3086169"/>
+            <a:off x="7999200" y="3085200"/>
             <a:ext cx="240450" cy="258853"/>
           </a:xfrm>
           <a:prstGeom prst="rect">
@@ -4802,7 +4859,7 @@
         </p:nvCxnSpPr>
         <p:spPr>
           <a:xfrm>
-            <a:off x="8246046" y="3305491"/>
+            <a:off x="8276400" y="3305491"/>
             <a:ext cx="0" cy="76733"/>
           </a:xfrm>
           <a:prstGeom prst="line">
@@ -4839,7 +4896,7 @@
         </p:nvSpPr>
         <p:spPr>
           <a:xfrm>
-            <a:off x="8322428" y="3086169"/>
+            <a:off x="8373600" y="3086169"/>
             <a:ext cx="240450" cy="258853"/>
           </a:xfrm>
           <a:prstGeom prst="rect">
@@ -4889,8 +4946,8 @@
         </p:nvSpPr>
         <p:spPr>
           <a:xfrm rot="16200000">
-            <a:off x="2850635" y="2733312"/>
-            <a:ext cx="157256" cy="684542"/>
+            <a:off x="2888868" y="2695079"/>
+            <a:ext cx="157256" cy="761008"/>
           </a:xfrm>
           <a:prstGeom prst="rightBrace">
             <a:avLst/>
@@ -4938,7 +4995,7 @@
         </p:nvSpPr>
         <p:spPr>
           <a:xfrm>
-            <a:off x="2725717" y="2765932"/>
+            <a:off x="2772546" y="2769083"/>
             <a:ext cx="179536" cy="258853"/>
           </a:xfrm>
           <a:prstGeom prst="rect">
@@ -4988,8 +5045,8 @@
         </p:nvSpPr>
         <p:spPr>
           <a:xfrm rot="16200000">
-            <a:off x="3409526" y="1919787"/>
-            <a:ext cx="157256" cy="1817541"/>
+            <a:off x="3453864" y="1875450"/>
+            <a:ext cx="157256" cy="1906215"/>
           </a:xfrm>
           <a:prstGeom prst="rightBrace">
             <a:avLst/>
@@ -5037,8 +5094,8 @@
         </p:nvSpPr>
         <p:spPr>
           <a:xfrm rot="16200000">
-            <a:off x="4381234" y="692291"/>
-            <a:ext cx="157256" cy="3760958"/>
+            <a:off x="4400663" y="672862"/>
+            <a:ext cx="157256" cy="3799816"/>
           </a:xfrm>
           <a:prstGeom prst="rightBrace">
             <a:avLst/>
@@ -5086,8 +5143,8 @@
         </p:nvSpPr>
         <p:spPr>
           <a:xfrm rot="16200000">
-            <a:off x="5512804" y="-701640"/>
-            <a:ext cx="157256" cy="6052421"/>
+            <a:off x="5527014" y="-715849"/>
+            <a:ext cx="157256" cy="6080839"/>
           </a:xfrm>
           <a:prstGeom prst="rightBrace">
             <a:avLst/>
@@ -5135,7 +5192,7 @@
         </p:nvSpPr>
         <p:spPr>
           <a:xfrm>
-            <a:off x="3262965" y="2520193"/>
+            <a:off x="3312233" y="2526153"/>
             <a:ext cx="179536" cy="258853"/>
           </a:xfrm>
           <a:prstGeom prst="rect">
@@ -5185,7 +5242,7 @@
         </p:nvSpPr>
         <p:spPr>
           <a:xfrm>
-            <a:off x="4238780" y="2267300"/>
+            <a:off x="4267355" y="2272158"/>
             <a:ext cx="179536" cy="258853"/>
           </a:xfrm>
           <a:prstGeom prst="rect">
@@ -5235,7 +5292,7 @@
         </p:nvSpPr>
         <p:spPr>
           <a:xfrm>
-            <a:off x="5377471" y="1963109"/>
+            <a:off x="5377471" y="2025572"/>
             <a:ext cx="179536" cy="258853"/>
           </a:xfrm>
           <a:prstGeom prst="rect">
@@ -5353,6 +5410,722 @@
           </a:fontRef>
         </p:style>
       </p:cxnSp>
+      <p:sp>
+        <p:nvSpPr>
+          <p:cNvPr id="45" name="圆柱体 44">
+            <a:extLst>
+              <a:ext uri="{FF2B5EF4-FFF2-40B4-BE49-F238E27FC236}">
+                <a16:creationId xmlns:a16="http://schemas.microsoft.com/office/drawing/2014/main" id="{5BE76321-8DAE-3CD4-CD44-AB552A4D6C7F}"/>
+              </a:ext>
+            </a:extLst>
+          </p:cNvPr>
+          <p:cNvSpPr/>
+          <p:nvPr/>
+        </p:nvSpPr>
+        <p:spPr>
+          <a:xfrm>
+            <a:off x="2825718" y="3437195"/>
+            <a:ext cx="648000" cy="396000"/>
+          </a:xfrm>
+          <a:prstGeom prst="can">
+            <a:avLst/>
+          </a:prstGeom>
+          <a:noFill/>
+        </p:spPr>
+        <p:style>
+          <a:lnRef idx="2">
+            <a:schemeClr val="accent1">
+              <a:shade val="50000"/>
+            </a:schemeClr>
+          </a:lnRef>
+          <a:fillRef idx="1">
+            <a:schemeClr val="accent1"/>
+          </a:fillRef>
+          <a:effectRef idx="0">
+            <a:schemeClr val="accent1"/>
+          </a:effectRef>
+          <a:fontRef idx="minor">
+            <a:schemeClr val="lt1"/>
+          </a:fontRef>
+        </p:style>
+        <p:txBody>
+          <a:bodyPr rtlCol="0" anchor="ctr"/>
+          <a:lstStyle/>
+          <a:p>
+            <a:pPr algn="ctr"/>
+            <a:r>
+              <a:rPr kumimoji="1" lang="en-US" altLang="zh-CN" sz="1400">
+                <a:solidFill>
+                  <a:schemeClr val="tx1"/>
+                </a:solidFill>
+                <a:latin typeface="Times New Roman" panose="02020603050405020304" pitchFamily="18" charset="0"/>
+                <a:cs typeface="Times New Roman" panose="02020603050405020304" pitchFamily="18" charset="0"/>
+              </a:rPr>
+              <a:t>S</a:t>
+            </a:r>
+            <a:r>
+              <a:rPr kumimoji="1" lang="en-US" altLang="zh-CN" sz="1400" baseline="-25000">
+                <a:solidFill>
+                  <a:schemeClr val="tx1"/>
+                </a:solidFill>
+                <a:latin typeface="Times New Roman" panose="02020603050405020304" pitchFamily="18" charset="0"/>
+                <a:cs typeface="Times New Roman" panose="02020603050405020304" pitchFamily="18" charset="0"/>
+              </a:rPr>
+              <a:t>4</a:t>
+            </a:r>
+            <a:r>
+              <a:rPr kumimoji="1" lang="en-US" altLang="zh-CN" sz="1400">
+                <a:solidFill>
+                  <a:schemeClr val="tx1"/>
+                </a:solidFill>
+                <a:latin typeface="Times New Roman" panose="02020603050405020304" pitchFamily="18" charset="0"/>
+                <a:cs typeface="Times New Roman" panose="02020603050405020304" pitchFamily="18" charset="0"/>
+              </a:rPr>
+              <a:t> , S</a:t>
+            </a:r>
+            <a:r>
+              <a:rPr kumimoji="1" lang="en-US" altLang="zh-CN" sz="1400" baseline="-25000">
+                <a:solidFill>
+                  <a:schemeClr val="tx1"/>
+                </a:solidFill>
+                <a:latin typeface="Times New Roman" panose="02020603050405020304" pitchFamily="18" charset="0"/>
+                <a:cs typeface="Times New Roman" panose="02020603050405020304" pitchFamily="18" charset="0"/>
+              </a:rPr>
+              <a:t>7</a:t>
+            </a:r>
+            <a:endParaRPr kumimoji="1" lang="zh-CN" altLang="en-US" sz="1400" baseline="-25000">
+              <a:solidFill>
+                <a:schemeClr val="tx1"/>
+              </a:solidFill>
+              <a:latin typeface="Times New Roman" panose="02020603050405020304" pitchFamily="18" charset="0"/>
+              <a:cs typeface="Times New Roman" panose="02020603050405020304" pitchFamily="18" charset="0"/>
+            </a:endParaRPr>
+          </a:p>
+        </p:txBody>
+      </p:sp>
+      <p:sp>
+        <p:nvSpPr>
+          <p:cNvPr id="48" name="圆柱体 47">
+            <a:extLst>
+              <a:ext uri="{FF2B5EF4-FFF2-40B4-BE49-F238E27FC236}">
+                <a16:creationId xmlns:a16="http://schemas.microsoft.com/office/drawing/2014/main" id="{9EEC5DD9-D6A7-BDAE-0C54-D65ED932D825}"/>
+              </a:ext>
+            </a:extLst>
+          </p:cNvPr>
+          <p:cNvSpPr/>
+          <p:nvPr/>
+        </p:nvSpPr>
+        <p:spPr>
+          <a:xfrm>
+            <a:off x="3732896" y="3438473"/>
+            <a:ext cx="360000" cy="396000"/>
+          </a:xfrm>
+          <a:prstGeom prst="can">
+            <a:avLst/>
+          </a:prstGeom>
+          <a:noFill/>
+        </p:spPr>
+        <p:style>
+          <a:lnRef idx="2">
+            <a:schemeClr val="accent1">
+              <a:shade val="50000"/>
+            </a:schemeClr>
+          </a:lnRef>
+          <a:fillRef idx="1">
+            <a:schemeClr val="accent1"/>
+          </a:fillRef>
+          <a:effectRef idx="0">
+            <a:schemeClr val="accent1"/>
+          </a:effectRef>
+          <a:fontRef idx="minor">
+            <a:schemeClr val="lt1"/>
+          </a:fontRef>
+        </p:style>
+        <p:txBody>
+          <a:bodyPr rtlCol="0" anchor="ctr"/>
+          <a:lstStyle/>
+          <a:p>
+            <a:pPr algn="ctr"/>
+            <a:r>
+              <a:rPr kumimoji="1" lang="en-US" altLang="zh-CN" sz="1400">
+                <a:solidFill>
+                  <a:schemeClr val="tx1"/>
+                </a:solidFill>
+                <a:latin typeface="Times New Roman" panose="02020603050405020304" pitchFamily="18" charset="0"/>
+                <a:cs typeface="Times New Roman" panose="02020603050405020304" pitchFamily="18" charset="0"/>
+              </a:rPr>
+              <a:t>S</a:t>
+            </a:r>
+            <a:r>
+              <a:rPr kumimoji="1" lang="en-US" altLang="zh-CN" sz="1400" baseline="-25000">
+                <a:solidFill>
+                  <a:schemeClr val="tx1"/>
+                </a:solidFill>
+                <a:latin typeface="Times New Roman" panose="02020603050405020304" pitchFamily="18" charset="0"/>
+                <a:cs typeface="Times New Roman" panose="02020603050405020304" pitchFamily="18" charset="0"/>
+              </a:rPr>
+              <a:t>5</a:t>
+            </a:r>
+            <a:endParaRPr kumimoji="1" lang="zh-CN" altLang="en-US" sz="1400"/>
+          </a:p>
+        </p:txBody>
+      </p:sp>
+      <p:cxnSp>
+        <p:nvCxnSpPr>
+          <p:cNvPr id="3" name="直接连接符 2">
+            <a:extLst>
+              <a:ext uri="{FF2B5EF4-FFF2-40B4-BE49-F238E27FC236}">
+                <a16:creationId xmlns:a16="http://schemas.microsoft.com/office/drawing/2014/main" id="{BFF3AB0F-6F2A-4BD0-9F78-205572BC7577}"/>
+              </a:ext>
+            </a:extLst>
+          </p:cNvPr>
+          <p:cNvCxnSpPr>
+            <a:cxnSpLocks/>
+          </p:cNvCxnSpPr>
+          <p:nvPr/>
+        </p:nvCxnSpPr>
+        <p:spPr>
+          <a:xfrm flipH="1" flipV="1">
+            <a:off x="7336296" y="3389932"/>
+            <a:ext cx="1" cy="58981"/>
+          </a:xfrm>
+          <a:prstGeom prst="line">
+            <a:avLst/>
+          </a:prstGeom>
+          <a:ln w="12700">
+            <a:solidFill>
+              <a:schemeClr val="accent1">
+                <a:lumMod val="75000"/>
+              </a:schemeClr>
+            </a:solidFill>
+          </a:ln>
+        </p:spPr>
+        <p:style>
+          <a:lnRef idx="1">
+            <a:schemeClr val="accent1"/>
+          </a:lnRef>
+          <a:fillRef idx="0">
+            <a:schemeClr val="accent1"/>
+          </a:fillRef>
+          <a:effectRef idx="0">
+            <a:schemeClr val="accent1"/>
+          </a:effectRef>
+          <a:fontRef idx="minor">
+            <a:schemeClr val="tx1"/>
+          </a:fontRef>
+        </p:style>
+      </p:cxnSp>
+      <p:cxnSp>
+        <p:nvCxnSpPr>
+          <p:cNvPr id="54" name="直接连接符 53">
+            <a:extLst>
+              <a:ext uri="{FF2B5EF4-FFF2-40B4-BE49-F238E27FC236}">
+                <a16:creationId xmlns:a16="http://schemas.microsoft.com/office/drawing/2014/main" id="{A215EA41-7807-C058-2EB8-C29B276F3A17}"/>
+              </a:ext>
+            </a:extLst>
+          </p:cNvPr>
+          <p:cNvCxnSpPr/>
+          <p:nvPr/>
+        </p:nvCxnSpPr>
+        <p:spPr>
+          <a:xfrm flipH="1" flipV="1">
+            <a:off x="6949800" y="3382222"/>
+            <a:ext cx="1" cy="58981"/>
+          </a:xfrm>
+          <a:prstGeom prst="line">
+            <a:avLst/>
+          </a:prstGeom>
+          <a:ln w="12700">
+            <a:solidFill>
+              <a:schemeClr val="accent1">
+                <a:lumMod val="75000"/>
+              </a:schemeClr>
+            </a:solidFill>
+          </a:ln>
+        </p:spPr>
+        <p:style>
+          <a:lnRef idx="1">
+            <a:schemeClr val="accent1"/>
+          </a:lnRef>
+          <a:fillRef idx="0">
+            <a:schemeClr val="accent1"/>
+          </a:fillRef>
+          <a:effectRef idx="0">
+            <a:schemeClr val="accent1"/>
+          </a:effectRef>
+          <a:fontRef idx="minor">
+            <a:schemeClr val="tx1"/>
+          </a:fontRef>
+        </p:style>
+      </p:cxnSp>
+      <p:cxnSp>
+        <p:nvCxnSpPr>
+          <p:cNvPr id="55" name="直接连接符 54">
+            <a:extLst>
+              <a:ext uri="{FF2B5EF4-FFF2-40B4-BE49-F238E27FC236}">
+                <a16:creationId xmlns:a16="http://schemas.microsoft.com/office/drawing/2014/main" id="{1E54073B-B91D-A4C6-16C4-9F5A7764011A}"/>
+              </a:ext>
+            </a:extLst>
+          </p:cNvPr>
+          <p:cNvCxnSpPr/>
+          <p:nvPr/>
+        </p:nvCxnSpPr>
+        <p:spPr>
+          <a:xfrm flipH="1" flipV="1">
+            <a:off x="6190224" y="3378158"/>
+            <a:ext cx="1" cy="58981"/>
+          </a:xfrm>
+          <a:prstGeom prst="line">
+            <a:avLst/>
+          </a:prstGeom>
+          <a:ln w="12700">
+            <a:solidFill>
+              <a:schemeClr val="accent1">
+                <a:lumMod val="75000"/>
+              </a:schemeClr>
+            </a:solidFill>
+          </a:ln>
+        </p:spPr>
+        <p:style>
+          <a:lnRef idx="1">
+            <a:schemeClr val="accent1"/>
+          </a:lnRef>
+          <a:fillRef idx="0">
+            <a:schemeClr val="accent1"/>
+          </a:fillRef>
+          <a:effectRef idx="0">
+            <a:schemeClr val="accent1"/>
+          </a:effectRef>
+          <a:fontRef idx="minor">
+            <a:schemeClr val="tx1"/>
+          </a:fontRef>
+        </p:style>
+      </p:cxnSp>
+      <p:cxnSp>
+        <p:nvCxnSpPr>
+          <p:cNvPr id="56" name="直接连接符 55">
+            <a:extLst>
+              <a:ext uri="{FF2B5EF4-FFF2-40B4-BE49-F238E27FC236}">
+                <a16:creationId xmlns:a16="http://schemas.microsoft.com/office/drawing/2014/main" id="{B8B0F0EC-CFC6-910C-9325-DA7971C0B84E}"/>
+              </a:ext>
+            </a:extLst>
+          </p:cNvPr>
+          <p:cNvCxnSpPr/>
+          <p:nvPr/>
+        </p:nvCxnSpPr>
+        <p:spPr>
+          <a:xfrm flipH="1" flipV="1">
+            <a:off x="3155277" y="3378214"/>
+            <a:ext cx="1" cy="58981"/>
+          </a:xfrm>
+          <a:prstGeom prst="line">
+            <a:avLst/>
+          </a:prstGeom>
+          <a:ln w="12700">
+            <a:solidFill>
+              <a:schemeClr val="accent1">
+                <a:lumMod val="75000"/>
+              </a:schemeClr>
+            </a:solidFill>
+          </a:ln>
+        </p:spPr>
+        <p:style>
+          <a:lnRef idx="1">
+            <a:schemeClr val="accent1"/>
+          </a:lnRef>
+          <a:fillRef idx="0">
+            <a:schemeClr val="accent1"/>
+          </a:fillRef>
+          <a:effectRef idx="0">
+            <a:schemeClr val="accent1"/>
+          </a:effectRef>
+          <a:fontRef idx="minor">
+            <a:schemeClr val="tx1"/>
+          </a:fontRef>
+        </p:style>
+      </p:cxnSp>
+      <p:cxnSp>
+        <p:nvCxnSpPr>
+          <p:cNvPr id="57" name="直接连接符 56">
+            <a:extLst>
+              <a:ext uri="{FF2B5EF4-FFF2-40B4-BE49-F238E27FC236}">
+                <a16:creationId xmlns:a16="http://schemas.microsoft.com/office/drawing/2014/main" id="{A7B4387E-EF2F-5ABD-FE6C-5DD3CB72228D}"/>
+              </a:ext>
+            </a:extLst>
+          </p:cNvPr>
+          <p:cNvCxnSpPr/>
+          <p:nvPr/>
+        </p:nvCxnSpPr>
+        <p:spPr>
+          <a:xfrm flipH="1" flipV="1">
+            <a:off x="3919781" y="3373058"/>
+            <a:ext cx="1" cy="58981"/>
+          </a:xfrm>
+          <a:prstGeom prst="line">
+            <a:avLst/>
+          </a:prstGeom>
+          <a:ln w="12700">
+            <a:solidFill>
+              <a:schemeClr val="accent1">
+                <a:lumMod val="75000"/>
+              </a:schemeClr>
+            </a:solidFill>
+          </a:ln>
+        </p:spPr>
+        <p:style>
+          <a:lnRef idx="1">
+            <a:schemeClr val="accent1"/>
+          </a:lnRef>
+          <a:fillRef idx="0">
+            <a:schemeClr val="accent1"/>
+          </a:fillRef>
+          <a:effectRef idx="0">
+            <a:schemeClr val="accent1"/>
+          </a:effectRef>
+          <a:fontRef idx="minor">
+            <a:schemeClr val="tx1"/>
+          </a:fontRef>
+        </p:style>
+      </p:cxnSp>
+      <p:cxnSp>
+        <p:nvCxnSpPr>
+          <p:cNvPr id="58" name="直接连接符 57">
+            <a:extLst>
+              <a:ext uri="{FF2B5EF4-FFF2-40B4-BE49-F238E27FC236}">
+                <a16:creationId xmlns:a16="http://schemas.microsoft.com/office/drawing/2014/main" id="{AC6FFF69-4BD0-BE88-FC67-7F62C38E2D49}"/>
+              </a:ext>
+            </a:extLst>
+          </p:cNvPr>
+          <p:cNvCxnSpPr>
+            <a:cxnSpLocks/>
+          </p:cNvCxnSpPr>
+          <p:nvPr/>
+        </p:nvCxnSpPr>
+        <p:spPr>
+          <a:xfrm flipH="1" flipV="1">
+            <a:off x="4292478" y="3382224"/>
+            <a:ext cx="1" cy="58981"/>
+          </a:xfrm>
+          <a:prstGeom prst="line">
+            <a:avLst/>
+          </a:prstGeom>
+          <a:ln w="12700">
+            <a:solidFill>
+              <a:schemeClr val="accent1">
+                <a:lumMod val="75000"/>
+              </a:schemeClr>
+            </a:solidFill>
+          </a:ln>
+        </p:spPr>
+        <p:style>
+          <a:lnRef idx="1">
+            <a:schemeClr val="accent1"/>
+          </a:lnRef>
+          <a:fillRef idx="0">
+            <a:schemeClr val="accent1"/>
+          </a:fillRef>
+          <a:effectRef idx="0">
+            <a:schemeClr val="accent1"/>
+          </a:effectRef>
+          <a:fontRef idx="minor">
+            <a:schemeClr val="tx1"/>
+          </a:fontRef>
+        </p:style>
+      </p:cxnSp>
+      <p:sp>
+        <p:nvSpPr>
+          <p:cNvPr id="59" name="圆柱体 58">
+            <a:extLst>
+              <a:ext uri="{FF2B5EF4-FFF2-40B4-BE49-F238E27FC236}">
+                <a16:creationId xmlns:a16="http://schemas.microsoft.com/office/drawing/2014/main" id="{8953DA3B-245F-4152-1692-72A8A8391B84}"/>
+              </a:ext>
+            </a:extLst>
+          </p:cNvPr>
+          <p:cNvSpPr/>
+          <p:nvPr/>
+        </p:nvSpPr>
+        <p:spPr>
+          <a:xfrm>
+            <a:off x="4112479" y="3442380"/>
+            <a:ext cx="360000" cy="396000"/>
+          </a:xfrm>
+          <a:prstGeom prst="can">
+            <a:avLst/>
+          </a:prstGeom>
+          <a:noFill/>
+        </p:spPr>
+        <p:style>
+          <a:lnRef idx="2">
+            <a:schemeClr val="accent1">
+              <a:shade val="50000"/>
+            </a:schemeClr>
+          </a:lnRef>
+          <a:fillRef idx="1">
+            <a:schemeClr val="accent1"/>
+          </a:fillRef>
+          <a:effectRef idx="0">
+            <a:schemeClr val="accent1"/>
+          </a:effectRef>
+          <a:fontRef idx="minor">
+            <a:schemeClr val="lt1"/>
+          </a:fontRef>
+        </p:style>
+        <p:txBody>
+          <a:bodyPr rtlCol="0" anchor="ctr"/>
+          <a:lstStyle/>
+          <a:p>
+            <a:pPr algn="ctr"/>
+            <a:r>
+              <a:rPr kumimoji="1" lang="en-US" altLang="zh-CN" sz="1400">
+                <a:solidFill>
+                  <a:schemeClr val="tx1"/>
+                </a:solidFill>
+                <a:latin typeface="Times New Roman" panose="02020603050405020304" pitchFamily="18" charset="0"/>
+                <a:cs typeface="Times New Roman" panose="02020603050405020304" pitchFamily="18" charset="0"/>
+              </a:rPr>
+              <a:t>S</a:t>
+            </a:r>
+            <a:r>
+              <a:rPr kumimoji="1" lang="en-US" altLang="zh-CN" sz="1400" baseline="-25000">
+                <a:solidFill>
+                  <a:schemeClr val="tx1"/>
+                </a:solidFill>
+                <a:latin typeface="Times New Roman" panose="02020603050405020304" pitchFamily="18" charset="0"/>
+                <a:cs typeface="Times New Roman" panose="02020603050405020304" pitchFamily="18" charset="0"/>
+              </a:rPr>
+              <a:t>8</a:t>
+            </a:r>
+            <a:endParaRPr kumimoji="1" lang="zh-CN" altLang="en-US" sz="1400"/>
+          </a:p>
+        </p:txBody>
+      </p:sp>
+      <p:sp>
+        <p:nvSpPr>
+          <p:cNvPr id="60" name="圆柱体 59">
+            <a:extLst>
+              <a:ext uri="{FF2B5EF4-FFF2-40B4-BE49-F238E27FC236}">
+                <a16:creationId xmlns:a16="http://schemas.microsoft.com/office/drawing/2014/main" id="{FE7CB45C-02DF-C6D7-3BC3-ADBE69BD855B}"/>
+              </a:ext>
+            </a:extLst>
+          </p:cNvPr>
+          <p:cNvSpPr/>
+          <p:nvPr/>
+        </p:nvSpPr>
+        <p:spPr>
+          <a:xfrm>
+            <a:off x="5862853" y="3437195"/>
+            <a:ext cx="648000" cy="396000"/>
+          </a:xfrm>
+          <a:prstGeom prst="can">
+            <a:avLst/>
+          </a:prstGeom>
+          <a:noFill/>
+        </p:spPr>
+        <p:style>
+          <a:lnRef idx="2">
+            <a:schemeClr val="accent1">
+              <a:shade val="50000"/>
+            </a:schemeClr>
+          </a:lnRef>
+          <a:fillRef idx="1">
+            <a:schemeClr val="accent1"/>
+          </a:fillRef>
+          <a:effectRef idx="0">
+            <a:schemeClr val="accent1"/>
+          </a:effectRef>
+          <a:fontRef idx="minor">
+            <a:schemeClr val="lt1"/>
+          </a:fontRef>
+        </p:style>
+        <p:txBody>
+          <a:bodyPr rtlCol="0" anchor="ctr"/>
+          <a:lstStyle/>
+          <a:p>
+            <a:pPr algn="ctr"/>
+            <a:r>
+              <a:rPr kumimoji="1" lang="en-US" altLang="zh-CN" sz="1400">
+                <a:solidFill>
+                  <a:schemeClr val="tx1"/>
+                </a:solidFill>
+                <a:latin typeface="Times New Roman" panose="02020603050405020304" pitchFamily="18" charset="0"/>
+                <a:cs typeface="Times New Roman" panose="02020603050405020304" pitchFamily="18" charset="0"/>
+              </a:rPr>
+              <a:t>S</a:t>
+            </a:r>
+            <a:r>
+              <a:rPr kumimoji="1" lang="en-US" altLang="zh-CN" sz="1400" baseline="-25000">
+                <a:solidFill>
+                  <a:schemeClr val="tx1"/>
+                </a:solidFill>
+                <a:latin typeface="Times New Roman" panose="02020603050405020304" pitchFamily="18" charset="0"/>
+                <a:cs typeface="Times New Roman" panose="02020603050405020304" pitchFamily="18" charset="0"/>
+              </a:rPr>
+              <a:t>1</a:t>
+            </a:r>
+            <a:r>
+              <a:rPr kumimoji="1" lang="en-US" altLang="zh-CN" sz="1400">
+                <a:solidFill>
+                  <a:schemeClr val="tx1"/>
+                </a:solidFill>
+                <a:latin typeface="Times New Roman" panose="02020603050405020304" pitchFamily="18" charset="0"/>
+                <a:cs typeface="Times New Roman" panose="02020603050405020304" pitchFamily="18" charset="0"/>
+              </a:rPr>
+              <a:t> , S</a:t>
+            </a:r>
+            <a:r>
+              <a:rPr kumimoji="1" lang="en-US" altLang="zh-CN" sz="1400" baseline="-25000">
+                <a:solidFill>
+                  <a:schemeClr val="tx1"/>
+                </a:solidFill>
+                <a:latin typeface="Times New Roman" panose="02020603050405020304" pitchFamily="18" charset="0"/>
+                <a:cs typeface="Times New Roman" panose="02020603050405020304" pitchFamily="18" charset="0"/>
+              </a:rPr>
+              <a:t>3</a:t>
+            </a:r>
+            <a:endParaRPr kumimoji="1" lang="zh-CN" altLang="en-US" sz="1400" baseline="-25000">
+              <a:solidFill>
+                <a:schemeClr val="tx1"/>
+              </a:solidFill>
+              <a:latin typeface="Times New Roman" panose="02020603050405020304" pitchFamily="18" charset="0"/>
+              <a:cs typeface="Times New Roman" panose="02020603050405020304" pitchFamily="18" charset="0"/>
+            </a:endParaRPr>
+          </a:p>
+        </p:txBody>
+      </p:sp>
+      <p:sp>
+        <p:nvSpPr>
+          <p:cNvPr id="61" name="圆柱体 60">
+            <a:extLst>
+              <a:ext uri="{FF2B5EF4-FFF2-40B4-BE49-F238E27FC236}">
+                <a16:creationId xmlns:a16="http://schemas.microsoft.com/office/drawing/2014/main" id="{8836718F-1AC8-B87C-0C8E-2EC70A746087}"/>
+              </a:ext>
+            </a:extLst>
+          </p:cNvPr>
+          <p:cNvSpPr/>
+          <p:nvPr/>
+        </p:nvSpPr>
+        <p:spPr>
+          <a:xfrm>
+            <a:off x="7156800" y="3442380"/>
+            <a:ext cx="360000" cy="396000"/>
+          </a:xfrm>
+          <a:prstGeom prst="can">
+            <a:avLst/>
+          </a:prstGeom>
+          <a:noFill/>
+        </p:spPr>
+        <p:style>
+          <a:lnRef idx="2">
+            <a:schemeClr val="accent1">
+              <a:shade val="50000"/>
+            </a:schemeClr>
+          </a:lnRef>
+          <a:fillRef idx="1">
+            <a:schemeClr val="accent1"/>
+          </a:fillRef>
+          <a:effectRef idx="0">
+            <a:schemeClr val="accent1"/>
+          </a:effectRef>
+          <a:fontRef idx="minor">
+            <a:schemeClr val="lt1"/>
+          </a:fontRef>
+        </p:style>
+        <p:txBody>
+          <a:bodyPr rtlCol="0" anchor="ctr"/>
+          <a:lstStyle/>
+          <a:p>
+            <a:pPr algn="ctr"/>
+            <a:r>
+              <a:rPr kumimoji="1" lang="en-US" altLang="zh-CN" sz="1400">
+                <a:solidFill>
+                  <a:schemeClr val="tx1"/>
+                </a:solidFill>
+                <a:latin typeface="Times New Roman" panose="02020603050405020304" pitchFamily="18" charset="0"/>
+                <a:cs typeface="Times New Roman" panose="02020603050405020304" pitchFamily="18" charset="0"/>
+              </a:rPr>
+              <a:t>S</a:t>
+            </a:r>
+            <a:r>
+              <a:rPr kumimoji="1" lang="en-US" altLang="zh-CN" sz="1400" baseline="-25000">
+                <a:solidFill>
+                  <a:schemeClr val="tx1"/>
+                </a:solidFill>
+                <a:latin typeface="Times New Roman" panose="02020603050405020304" pitchFamily="18" charset="0"/>
+                <a:cs typeface="Times New Roman" panose="02020603050405020304" pitchFamily="18" charset="0"/>
+              </a:rPr>
+              <a:t>2</a:t>
+            </a:r>
+            <a:endParaRPr kumimoji="1" lang="zh-CN" altLang="en-US" sz="1400"/>
+          </a:p>
+        </p:txBody>
+      </p:sp>
+      <p:sp>
+        <p:nvSpPr>
+          <p:cNvPr id="62" name="圆柱体 61">
+            <a:extLst>
+              <a:ext uri="{FF2B5EF4-FFF2-40B4-BE49-F238E27FC236}">
+                <a16:creationId xmlns:a16="http://schemas.microsoft.com/office/drawing/2014/main" id="{966C16B5-159A-90CC-AD51-D373607EA785}"/>
+              </a:ext>
+            </a:extLst>
+          </p:cNvPr>
+          <p:cNvSpPr/>
+          <p:nvPr/>
+        </p:nvSpPr>
+        <p:spPr>
+          <a:xfrm>
+            <a:off x="6769801" y="3438817"/>
+            <a:ext cx="360000" cy="396000"/>
+          </a:xfrm>
+          <a:prstGeom prst="can">
+            <a:avLst/>
+          </a:prstGeom>
+          <a:noFill/>
+        </p:spPr>
+        <p:style>
+          <a:lnRef idx="2">
+            <a:schemeClr val="accent1">
+              <a:shade val="50000"/>
+            </a:schemeClr>
+          </a:lnRef>
+          <a:fillRef idx="1">
+            <a:schemeClr val="accent1"/>
+          </a:fillRef>
+          <a:effectRef idx="0">
+            <a:schemeClr val="accent1"/>
+          </a:effectRef>
+          <a:fontRef idx="minor">
+            <a:schemeClr val="lt1"/>
+          </a:fontRef>
+        </p:style>
+        <p:txBody>
+          <a:bodyPr rtlCol="0" anchor="ctr"/>
+          <a:lstStyle/>
+          <a:p>
+            <a:pPr algn="ctr"/>
+            <a:r>
+              <a:rPr kumimoji="1" lang="en-US" altLang="zh-CN" sz="1400">
+                <a:solidFill>
+                  <a:schemeClr val="tx1"/>
+                </a:solidFill>
+                <a:latin typeface="Times New Roman" panose="02020603050405020304" pitchFamily="18" charset="0"/>
+                <a:cs typeface="Times New Roman" panose="02020603050405020304" pitchFamily="18" charset="0"/>
+              </a:rPr>
+              <a:t>S</a:t>
+            </a:r>
+            <a:r>
+              <a:rPr kumimoji="1" lang="en-US" altLang="zh-CN" sz="1400" baseline="-25000">
+                <a:solidFill>
+                  <a:schemeClr val="tx1"/>
+                </a:solidFill>
+                <a:latin typeface="Times New Roman" panose="02020603050405020304" pitchFamily="18" charset="0"/>
+                <a:cs typeface="Times New Roman" panose="02020603050405020304" pitchFamily="18" charset="0"/>
+              </a:rPr>
+              <a:t>6</a:t>
+            </a:r>
+            <a:endParaRPr kumimoji="1" lang="zh-CN" altLang="en-US" sz="1400"/>
+          </a:p>
+        </p:txBody>
+      </p:sp>
     </p:spTree>
     <p:extLst>
       <p:ext uri="{BB962C8B-B14F-4D97-AF65-F5344CB8AC3E}">
